--- a/assets/projektmanagement/2023-06-04 PM-Toolchain Uebersicht.pptx
+++ b/assets/projektmanagement/2023-06-04 PM-Toolchain Uebersicht.pptx
@@ -7926,34 +7926,340 @@
           <a:chExt cx="0" cy="0"/>
         </a:xfrm>
       </p:grpSpPr>
-      <p:graphicFrame>
-        <p:nvGraphicFramePr>
-          <p:cNvPr id="4" name="Diagramm 3">
+      <p:grpSp>
+        <p:nvGrpSpPr>
+          <p:cNvPr id="11" name="Gruppieren 10">
             <a:extLst>
               <a:ext uri="{FF2B5EF4-FFF2-40B4-BE49-F238E27FC236}">
-                <a16:creationId xmlns:a16="http://schemas.microsoft.com/office/drawing/2014/main" id="{43D9742B-4D29-9F0B-044D-D963CC5194EA}"/>
+                <a16:creationId xmlns:a16="http://schemas.microsoft.com/office/drawing/2014/main" id="{A10254CA-7677-BA91-7AF1-7F368694F21A}"/>
               </a:ext>
             </a:extLst>
           </p:cNvPr>
-          <p:cNvGraphicFramePr/>
-          <p:nvPr>
-            <p:extLst>
-              <p:ext uri="{D42A27DB-BD31-4B8C-83A1-F6EECF244321}">
-                <p14:modId xmlns:p14="http://schemas.microsoft.com/office/powerpoint/2010/main" val="980276879"/>
-              </p:ext>
-            </p:extLst>
-          </p:nvPr>
-        </p:nvGraphicFramePr>
-        <p:xfrm>
-          <a:off x="0" y="0"/>
-          <a:ext cx="12192000" cy="6858000"/>
-        </p:xfrm>
-        <a:graphic>
-          <a:graphicData uri="http://schemas.openxmlformats.org/drawingml/2006/diagram">
-            <dgm:relIds xmlns:dgm="http://schemas.openxmlformats.org/drawingml/2006/diagram" xmlns:r="http://schemas.openxmlformats.org/officeDocument/2006/relationships" r:dm="rId2" r:lo="rId3" r:qs="rId4" r:cs="rId5"/>
-          </a:graphicData>
-        </a:graphic>
-      </p:graphicFrame>
+          <p:cNvGrpSpPr/>
+          <p:nvPr/>
+        </p:nvGrpSpPr>
+        <p:grpSpPr>
+          <a:xfrm>
+            <a:off x="0" y="0"/>
+            <a:ext cx="12192000" cy="6858000"/>
+            <a:chOff x="0" y="0"/>
+            <a:chExt cx="12192000" cy="6858000"/>
+          </a:xfrm>
+        </p:grpSpPr>
+        <p:graphicFrame>
+          <p:nvGraphicFramePr>
+            <p:cNvPr id="4" name="Diagramm 3">
+              <a:extLst>
+                <a:ext uri="{FF2B5EF4-FFF2-40B4-BE49-F238E27FC236}">
+                  <a16:creationId xmlns:a16="http://schemas.microsoft.com/office/drawing/2014/main" id="{43D9742B-4D29-9F0B-044D-D963CC5194EA}"/>
+                </a:ext>
+              </a:extLst>
+            </p:cNvPr>
+            <p:cNvGraphicFramePr/>
+            <p:nvPr>
+              <p:extLst>
+                <p:ext uri="{D42A27DB-BD31-4B8C-83A1-F6EECF244321}">
+                  <p14:modId xmlns:p14="http://schemas.microsoft.com/office/powerpoint/2010/main" val="964326643"/>
+                </p:ext>
+              </p:extLst>
+            </p:nvPr>
+          </p:nvGraphicFramePr>
+          <p:xfrm>
+            <a:off x="0" y="0"/>
+            <a:ext cx="12192000" cy="6858000"/>
+          </p:xfrm>
+          <a:graphic>
+            <a:graphicData uri="http://schemas.openxmlformats.org/drawingml/2006/diagram">
+              <dgm:relIds xmlns:dgm="http://schemas.openxmlformats.org/drawingml/2006/diagram" xmlns:r="http://schemas.openxmlformats.org/officeDocument/2006/relationships" r:dm="rId2" r:lo="rId3" r:qs="rId4" r:cs="rId5"/>
+            </a:graphicData>
+          </a:graphic>
+        </p:graphicFrame>
+        <p:pic>
+          <p:nvPicPr>
+            <p:cNvPr id="1026" name="Picture 2" descr="Atlassian, jira, logo Icon in Vector Logo">
+              <a:extLst>
+                <a:ext uri="{FF2B5EF4-FFF2-40B4-BE49-F238E27FC236}">
+                  <a16:creationId xmlns:a16="http://schemas.microsoft.com/office/drawing/2014/main" id="{37578E51-0584-6496-1D2F-3D1708A49932}"/>
+                </a:ext>
+              </a:extLst>
+            </p:cNvPr>
+            <p:cNvPicPr>
+              <a:picLocks noChangeAspect="1" noChangeArrowheads="1"/>
+            </p:cNvPicPr>
+            <p:nvPr/>
+          </p:nvPicPr>
+          <p:blipFill>
+            <a:blip r:embed="rId7">
+              <a:extLst>
+                <a:ext uri="{28A0092B-C50C-407E-A947-70E740481C1C}">
+                  <a14:useLocalDpi xmlns:a14="http://schemas.microsoft.com/office/drawing/2010/main" val="0"/>
+                </a:ext>
+              </a:extLst>
+            </a:blip>
+            <a:srcRect/>
+            <a:stretch>
+              <a:fillRect/>
+            </a:stretch>
+          </p:blipFill>
+          <p:spPr bwMode="auto">
+            <a:xfrm>
+              <a:off x="201611" y="335038"/>
+              <a:ext cx="576000" cy="576000"/>
+            </a:xfrm>
+            <a:prstGeom prst="rect">
+              <a:avLst/>
+            </a:prstGeom>
+            <a:noFill/>
+            <a:extLst>
+              <a:ext uri="{909E8E84-426E-40DD-AFC4-6F175D3DCCD1}">
+                <a14:hiddenFill xmlns:a14="http://schemas.microsoft.com/office/drawing/2010/main">
+                  <a:solidFill>
+                    <a:srgbClr val="FFFFFF"/>
+                  </a:solidFill>
+                </a14:hiddenFill>
+              </a:ext>
+            </a:extLst>
+          </p:spPr>
+        </p:pic>
+        <p:pic>
+          <p:nvPicPr>
+            <p:cNvPr id="1028" name="Picture 4" descr="Confluence Logo PNG Vector (SVG) Free Download">
+              <a:extLst>
+                <a:ext uri="{FF2B5EF4-FFF2-40B4-BE49-F238E27FC236}">
+                  <a16:creationId xmlns:a16="http://schemas.microsoft.com/office/drawing/2014/main" id="{5ABB4480-B35D-F7A7-44F5-123B795B9D91}"/>
+                </a:ext>
+              </a:extLst>
+            </p:cNvPr>
+            <p:cNvPicPr>
+              <a:picLocks noChangeAspect="1" noChangeArrowheads="1"/>
+            </p:cNvPicPr>
+            <p:nvPr/>
+          </p:nvPicPr>
+          <p:blipFill>
+            <a:blip r:embed="rId8">
+              <a:extLst>
+                <a:ext uri="{28A0092B-C50C-407E-A947-70E740481C1C}">
+                  <a14:useLocalDpi xmlns:a14="http://schemas.microsoft.com/office/drawing/2010/main" val="0"/>
+                </a:ext>
+              </a:extLst>
+            </a:blip>
+            <a:srcRect/>
+            <a:stretch>
+              <a:fillRect/>
+            </a:stretch>
+          </p:blipFill>
+          <p:spPr bwMode="auto">
+            <a:xfrm>
+              <a:off x="814872" y="1329387"/>
+              <a:ext cx="487500" cy="468000"/>
+            </a:xfrm>
+            <a:prstGeom prst="rect">
+              <a:avLst/>
+            </a:prstGeom>
+            <a:noFill/>
+            <a:extLst>
+              <a:ext uri="{909E8E84-426E-40DD-AFC4-6F175D3DCCD1}">
+                <a14:hiddenFill xmlns:a14="http://schemas.microsoft.com/office/drawing/2010/main">
+                  <a:solidFill>
+                    <a:srgbClr val="FFFFFF"/>
+                  </a:solidFill>
+                </a14:hiddenFill>
+              </a:ext>
+            </a:extLst>
+          </p:spPr>
+        </p:pic>
+        <p:pic>
+          <p:nvPicPr>
+            <p:cNvPr id="1036" name="Picture 12" descr="Miro app logo transparent PNG - StickPNG">
+              <a:extLst>
+                <a:ext uri="{FF2B5EF4-FFF2-40B4-BE49-F238E27FC236}">
+                  <a16:creationId xmlns:a16="http://schemas.microsoft.com/office/drawing/2014/main" id="{C648BDEC-7E32-3B9A-60A4-95E45185EA5D}"/>
+                </a:ext>
+              </a:extLst>
+            </p:cNvPr>
+            <p:cNvPicPr>
+              <a:picLocks noChangeAspect="1" noChangeArrowheads="1"/>
+            </p:cNvPicPr>
+            <p:nvPr/>
+          </p:nvPicPr>
+          <p:blipFill>
+            <a:blip r:embed="rId9">
+              <a:extLst>
+                <a:ext uri="{28A0092B-C50C-407E-A947-70E740481C1C}">
+                  <a14:useLocalDpi xmlns:a14="http://schemas.microsoft.com/office/drawing/2010/main" val="0"/>
+                </a:ext>
+              </a:extLst>
+            </a:blip>
+            <a:srcRect/>
+            <a:stretch>
+              <a:fillRect/>
+            </a:stretch>
+          </p:blipFill>
+          <p:spPr bwMode="auto">
+            <a:xfrm>
+              <a:off x="190182" y="5925399"/>
+              <a:ext cx="618800" cy="612000"/>
+            </a:xfrm>
+            <a:prstGeom prst="rect">
+              <a:avLst/>
+            </a:prstGeom>
+            <a:noFill/>
+            <a:extLst>
+              <a:ext uri="{909E8E84-426E-40DD-AFC4-6F175D3DCCD1}">
+                <a14:hiddenFill xmlns:a14="http://schemas.microsoft.com/office/drawing/2010/main">
+                  <a:solidFill>
+                    <a:srgbClr val="FFFFFF"/>
+                  </a:solidFill>
+                </a14:hiddenFill>
+              </a:ext>
+            </a:extLst>
+          </p:spPr>
+        </p:pic>
+        <p:pic>
+          <p:nvPicPr>
+            <p:cNvPr id="3" name="Grafik 2">
+              <a:extLst>
+                <a:ext uri="{FF2B5EF4-FFF2-40B4-BE49-F238E27FC236}">
+                  <a16:creationId xmlns:a16="http://schemas.microsoft.com/office/drawing/2014/main" id="{70C7F131-6670-EC01-FB8F-A3BE33B682E6}"/>
+                </a:ext>
+              </a:extLst>
+            </p:cNvPr>
+            <p:cNvPicPr>
+              <a:picLocks noChangeAspect="1"/>
+            </p:cNvPicPr>
+            <p:nvPr/>
+          </p:nvPicPr>
+          <p:blipFill>
+            <a:blip r:embed="rId10">
+              <a:extLst>
+                <a:ext uri="{96DAC541-7B7A-43D3-8B79-37D633B846F1}">
+                  <asvg:svgBlip xmlns:asvg="http://schemas.microsoft.com/office/drawing/2016/SVG/main" r:embed="rId11"/>
+                </a:ext>
+              </a:extLst>
+            </a:blip>
+            <a:stretch>
+              <a:fillRect/>
+            </a:stretch>
+          </p:blipFill>
+          <p:spPr>
+            <a:xfrm>
+              <a:off x="772573" y="5048441"/>
+              <a:ext cx="538768" cy="504000"/>
+            </a:xfrm>
+            <a:prstGeom prst="rect">
+              <a:avLst/>
+            </a:prstGeom>
+          </p:spPr>
+        </p:pic>
+        <p:pic>
+          <p:nvPicPr>
+            <p:cNvPr id="6" name="Grafik 5">
+              <a:extLst>
+                <a:ext uri="{FF2B5EF4-FFF2-40B4-BE49-F238E27FC236}">
+                  <a16:creationId xmlns:a16="http://schemas.microsoft.com/office/drawing/2014/main" id="{87B6CAD7-3CC4-675F-06BF-D1626D826387}"/>
+                </a:ext>
+              </a:extLst>
+            </p:cNvPr>
+            <p:cNvPicPr>
+              <a:picLocks noChangeAspect="1"/>
+            </p:cNvPicPr>
+            <p:nvPr/>
+          </p:nvPicPr>
+          <p:blipFill>
+            <a:blip r:embed="rId12">
+              <a:extLst>
+                <a:ext uri="{96DAC541-7B7A-43D3-8B79-37D633B846F1}">
+                  <asvg:svgBlip xmlns:asvg="http://schemas.microsoft.com/office/drawing/2016/SVG/main" r:embed="rId13"/>
+                </a:ext>
+              </a:extLst>
+            </a:blip>
+            <a:stretch>
+              <a:fillRect/>
+            </a:stretch>
+          </p:blipFill>
+          <p:spPr>
+            <a:xfrm>
+              <a:off x="1072013" y="4113582"/>
+              <a:ext cx="541858" cy="504000"/>
+            </a:xfrm>
+            <a:prstGeom prst="rect">
+              <a:avLst/>
+            </a:prstGeom>
+          </p:spPr>
+        </p:pic>
+        <p:pic>
+          <p:nvPicPr>
+            <p:cNvPr id="8" name="Grafik 7">
+              <a:extLst>
+                <a:ext uri="{FF2B5EF4-FFF2-40B4-BE49-F238E27FC236}">
+                  <a16:creationId xmlns:a16="http://schemas.microsoft.com/office/drawing/2014/main" id="{0FF9BC60-BDAA-9C1A-57AD-5F913ADBEBF7}"/>
+                </a:ext>
+              </a:extLst>
+            </p:cNvPr>
+            <p:cNvPicPr>
+              <a:picLocks noChangeAspect="1"/>
+            </p:cNvPicPr>
+            <p:nvPr/>
+          </p:nvPicPr>
+          <p:blipFill>
+            <a:blip r:embed="rId14">
+              <a:extLst>
+                <a:ext uri="{96DAC541-7B7A-43D3-8B79-37D633B846F1}">
+                  <asvg:svgBlip xmlns:asvg="http://schemas.microsoft.com/office/drawing/2016/SVG/main" r:embed="rId15"/>
+                </a:ext>
+              </a:extLst>
+            </a:blip>
+            <a:stretch>
+              <a:fillRect/>
+            </a:stretch>
+          </p:blipFill>
+          <p:spPr>
+            <a:xfrm>
+              <a:off x="1155769" y="2255507"/>
+              <a:ext cx="420672" cy="504000"/>
+            </a:xfrm>
+            <a:prstGeom prst="rect">
+              <a:avLst/>
+            </a:prstGeom>
+          </p:spPr>
+        </p:pic>
+        <p:pic>
+          <p:nvPicPr>
+            <p:cNvPr id="10" name="Grafik 9">
+              <a:extLst>
+                <a:ext uri="{FF2B5EF4-FFF2-40B4-BE49-F238E27FC236}">
+                  <a16:creationId xmlns:a16="http://schemas.microsoft.com/office/drawing/2014/main" id="{03A3585F-DD35-5BC3-F5F4-018CAC211A2E}"/>
+                </a:ext>
+              </a:extLst>
+            </p:cNvPr>
+            <p:cNvPicPr>
+              <a:picLocks noChangeAspect="1"/>
+            </p:cNvPicPr>
+            <p:nvPr/>
+          </p:nvPicPr>
+          <p:blipFill>
+            <a:blip r:embed="rId16">
+              <a:extLst>
+                <a:ext uri="{96DAC541-7B7A-43D3-8B79-37D633B846F1}">
+                  <asvg:svgBlip xmlns:asvg="http://schemas.microsoft.com/office/drawing/2016/SVG/main" r:embed="rId17"/>
+                </a:ext>
+              </a:extLst>
+            </a:blip>
+            <a:stretch>
+              <a:fillRect/>
+            </a:stretch>
+          </p:blipFill>
+          <p:spPr>
+            <a:xfrm>
+              <a:off x="1168475" y="3173659"/>
+              <a:ext cx="525877" cy="504000"/>
+            </a:xfrm>
+            <a:prstGeom prst="rect">
+              <a:avLst/>
+            </a:prstGeom>
+          </p:spPr>
+        </p:pic>
+      </p:grpSp>
     </p:spTree>
     <p:extLst>
       <p:ext uri="{BB962C8B-B14F-4D97-AF65-F5344CB8AC3E}">
